--- a/happyou.pptx
+++ b/happyou.pptx
@@ -9,7 +9,15 @@
     <p:sldId id="257" r:id="rId3"/>
     <p:sldId id="259" r:id="rId4"/>
     <p:sldId id="260" r:id="rId5"/>
-    <p:sldId id="258" r:id="rId6"/>
+    <p:sldId id="261" r:id="rId6"/>
+    <p:sldId id="262" r:id="rId7"/>
+    <p:sldId id="263" r:id="rId8"/>
+    <p:sldId id="268" r:id="rId9"/>
+    <p:sldId id="258" r:id="rId10"/>
+    <p:sldId id="264" r:id="rId11"/>
+    <p:sldId id="265" r:id="rId12"/>
+    <p:sldId id="266" r:id="rId13"/>
+    <p:sldId id="267" r:id="rId14"/>
   </p:sldIdLst>
   <p:sldSz cx="12192000" cy="6858000"/>
   <p:notesSz cx="6858000" cy="9144000"/>
@@ -3312,8 +3320,8 @@
         </p:blipFill>
         <p:spPr>
           <a:xfrm>
-            <a:off x="3845665" y="2400830"/>
-            <a:ext cx="4737735" cy="990600"/>
+            <a:off x="2116250" y="1937808"/>
+            <a:ext cx="7959500" cy="1664230"/>
           </a:xfrm>
           <a:prstGeom prst="rect">
             <a:avLst/>
@@ -3330,6 +3338,341 @@
   <p:clrMapOvr>
     <a:masterClrMapping/>
   </p:clrMapOvr>
+  <p:timing>
+    <p:tnLst>
+      <p:par>
+        <p:cTn id="1" dur="indefinite" restart="never" nodeType="tmRoot"/>
+      </p:par>
+    </p:tnLst>
+  </p:timing>
+</p:sld>
+</file>
+
+<file path=ppt/slides/slide10.xml><?xml version="1.0" encoding="utf-8"?>
+<p:sld xmlns:a="http://schemas.openxmlformats.org/drawingml/2006/main" xmlns:r="http://schemas.openxmlformats.org/officeDocument/2006/relationships" xmlns:p="http://schemas.openxmlformats.org/presentationml/2006/main">
+  <p:cSld>
+    <p:spTree>
+      <p:nvGrpSpPr>
+        <p:cNvPr id="1" name=""/>
+        <p:cNvGrpSpPr/>
+        <p:nvPr/>
+      </p:nvGrpSpPr>
+      <p:grpSpPr>
+        <a:xfrm>
+          <a:off x="0" y="0"/>
+          <a:ext cx="0" cy="0"/>
+          <a:chOff x="0" y="0"/>
+          <a:chExt cx="0" cy="0"/>
+        </a:xfrm>
+      </p:grpSpPr>
+      <p:sp>
+        <p:nvSpPr>
+          <p:cNvPr id="2" name="タイトル 1"/>
+          <p:cNvSpPr>
+            <a:spLocks noGrp="1"/>
+          </p:cNvSpPr>
+          <p:nvPr>
+            <p:ph type="title"/>
+          </p:nvPr>
+        </p:nvSpPr>
+        <p:spPr/>
+        <p:txBody>
+          <a:bodyPr>
+            <a:normAutofit/>
+          </a:bodyPr>
+          <a:lstStyle/>
+          <a:p>
+            <a:r>
+              <a:rPr lang="ja-JP" altLang="en-US" b="1" dirty="0" smtClean="0"/>
+              <a:t>制作に苦労した点</a:t>
+            </a:r>
+            <a:endParaRPr kumimoji="1" lang="ja-JP" altLang="en-US" b="1" dirty="0"/>
+          </a:p>
+        </p:txBody>
+      </p:sp>
+      <p:sp>
+        <p:nvSpPr>
+          <p:cNvPr id="3" name="コンテンツ プレースホルダー 2"/>
+          <p:cNvSpPr>
+            <a:spLocks noGrp="1"/>
+          </p:cNvSpPr>
+          <p:nvPr>
+            <p:ph idx="1"/>
+          </p:nvPr>
+        </p:nvSpPr>
+        <p:spPr/>
+        <p:txBody>
+          <a:bodyPr/>
+          <a:lstStyle/>
+          <a:p>
+            <a:endParaRPr kumimoji="1" lang="ja-JP" altLang="en-US" dirty="0"/>
+          </a:p>
+        </p:txBody>
+      </p:sp>
+    </p:spTree>
+    <p:extLst>
+      <p:ext uri="{BB962C8B-B14F-4D97-AF65-F5344CB8AC3E}">
+        <p14:creationId xmlns:p14="http://schemas.microsoft.com/office/powerpoint/2010/main" val="3621296563"/>
+      </p:ext>
+    </p:extLst>
+  </p:cSld>
+  <p:clrMapOvr>
+    <a:masterClrMapping/>
+  </p:clrMapOvr>
+  <p:timing>
+    <p:tnLst>
+      <p:par>
+        <p:cTn id="1" dur="indefinite" restart="never" nodeType="tmRoot"/>
+      </p:par>
+    </p:tnLst>
+  </p:timing>
+</p:sld>
+</file>
+
+<file path=ppt/slides/slide11.xml><?xml version="1.0" encoding="utf-8"?>
+<p:sld xmlns:a="http://schemas.openxmlformats.org/drawingml/2006/main" xmlns:r="http://schemas.openxmlformats.org/officeDocument/2006/relationships" xmlns:p="http://schemas.openxmlformats.org/presentationml/2006/main">
+  <p:cSld>
+    <p:spTree>
+      <p:nvGrpSpPr>
+        <p:cNvPr id="1" name=""/>
+        <p:cNvGrpSpPr/>
+        <p:nvPr/>
+      </p:nvGrpSpPr>
+      <p:grpSpPr>
+        <a:xfrm>
+          <a:off x="0" y="0"/>
+          <a:ext cx="0" cy="0"/>
+          <a:chOff x="0" y="0"/>
+          <a:chExt cx="0" cy="0"/>
+        </a:xfrm>
+      </p:grpSpPr>
+      <p:sp>
+        <p:nvSpPr>
+          <p:cNvPr id="2" name="タイトル 1"/>
+          <p:cNvSpPr>
+            <a:spLocks noGrp="1"/>
+          </p:cNvSpPr>
+          <p:nvPr>
+            <p:ph type="title"/>
+          </p:nvPr>
+        </p:nvSpPr>
+        <p:spPr/>
+        <p:txBody>
+          <a:bodyPr>
+            <a:normAutofit/>
+          </a:bodyPr>
+          <a:lstStyle/>
+          <a:p>
+            <a:r>
+              <a:rPr kumimoji="1" lang="ja-JP" altLang="en-US" b="1" dirty="0" smtClean="0"/>
+              <a:t>今後の発展</a:t>
+            </a:r>
+            <a:endParaRPr kumimoji="1" lang="ja-JP" altLang="en-US" b="1" dirty="0"/>
+          </a:p>
+        </p:txBody>
+      </p:sp>
+      <p:sp>
+        <p:nvSpPr>
+          <p:cNvPr id="3" name="コンテンツ プレースホルダー 2"/>
+          <p:cNvSpPr>
+            <a:spLocks noGrp="1"/>
+          </p:cNvSpPr>
+          <p:nvPr>
+            <p:ph idx="1"/>
+          </p:nvPr>
+        </p:nvSpPr>
+        <p:spPr/>
+        <p:txBody>
+          <a:bodyPr/>
+          <a:lstStyle/>
+          <a:p>
+            <a:endParaRPr kumimoji="1" lang="ja-JP" altLang="en-US" dirty="0"/>
+          </a:p>
+        </p:txBody>
+      </p:sp>
+    </p:spTree>
+    <p:extLst>
+      <p:ext uri="{BB962C8B-B14F-4D97-AF65-F5344CB8AC3E}">
+        <p14:creationId xmlns:p14="http://schemas.microsoft.com/office/powerpoint/2010/main" val="3559104934"/>
+      </p:ext>
+    </p:extLst>
+  </p:cSld>
+  <p:clrMapOvr>
+    <a:masterClrMapping/>
+  </p:clrMapOvr>
+  <p:timing>
+    <p:tnLst>
+      <p:par>
+        <p:cTn id="1" dur="indefinite" restart="never" nodeType="tmRoot"/>
+      </p:par>
+    </p:tnLst>
+  </p:timing>
+</p:sld>
+</file>
+
+<file path=ppt/slides/slide12.xml><?xml version="1.0" encoding="utf-8"?>
+<p:sld xmlns:a="http://schemas.openxmlformats.org/drawingml/2006/main" xmlns:r="http://schemas.openxmlformats.org/officeDocument/2006/relationships" xmlns:p="http://schemas.openxmlformats.org/presentationml/2006/main">
+  <p:cSld>
+    <p:spTree>
+      <p:nvGrpSpPr>
+        <p:cNvPr id="1" name=""/>
+        <p:cNvGrpSpPr/>
+        <p:nvPr/>
+      </p:nvGrpSpPr>
+      <p:grpSpPr>
+        <a:xfrm>
+          <a:off x="0" y="0"/>
+          <a:ext cx="0" cy="0"/>
+          <a:chOff x="0" y="0"/>
+          <a:chExt cx="0" cy="0"/>
+        </a:xfrm>
+      </p:grpSpPr>
+      <p:sp>
+        <p:nvSpPr>
+          <p:cNvPr id="2" name="タイトル 1"/>
+          <p:cNvSpPr>
+            <a:spLocks noGrp="1"/>
+          </p:cNvSpPr>
+          <p:nvPr>
+            <p:ph type="title"/>
+          </p:nvPr>
+        </p:nvSpPr>
+        <p:spPr/>
+        <p:txBody>
+          <a:bodyPr>
+            <a:normAutofit/>
+          </a:bodyPr>
+          <a:lstStyle/>
+          <a:p>
+            <a:r>
+              <a:rPr kumimoji="1" lang="ja-JP" altLang="en-US" b="1" dirty="0" smtClean="0"/>
+              <a:t>想定される質問①</a:t>
+            </a:r>
+            <a:endParaRPr kumimoji="1" lang="ja-JP" altLang="en-US" b="1" dirty="0"/>
+          </a:p>
+        </p:txBody>
+      </p:sp>
+      <p:sp>
+        <p:nvSpPr>
+          <p:cNvPr id="3" name="コンテンツ プレースホルダー 2"/>
+          <p:cNvSpPr>
+            <a:spLocks noGrp="1"/>
+          </p:cNvSpPr>
+          <p:nvPr>
+            <p:ph idx="1"/>
+          </p:nvPr>
+        </p:nvSpPr>
+        <p:spPr/>
+        <p:txBody>
+          <a:bodyPr/>
+          <a:lstStyle/>
+          <a:p>
+            <a:endParaRPr kumimoji="1" lang="ja-JP" altLang="en-US" dirty="0"/>
+          </a:p>
+        </p:txBody>
+      </p:sp>
+    </p:spTree>
+    <p:extLst>
+      <p:ext uri="{BB962C8B-B14F-4D97-AF65-F5344CB8AC3E}">
+        <p14:creationId xmlns:p14="http://schemas.microsoft.com/office/powerpoint/2010/main" val="3202221777"/>
+      </p:ext>
+    </p:extLst>
+  </p:cSld>
+  <p:clrMapOvr>
+    <a:masterClrMapping/>
+  </p:clrMapOvr>
+  <p:timing>
+    <p:tnLst>
+      <p:par>
+        <p:cTn id="1" dur="indefinite" restart="never" nodeType="tmRoot"/>
+      </p:par>
+    </p:tnLst>
+  </p:timing>
+</p:sld>
+</file>
+
+<file path=ppt/slides/slide13.xml><?xml version="1.0" encoding="utf-8"?>
+<p:sld xmlns:a="http://schemas.openxmlformats.org/drawingml/2006/main" xmlns:r="http://schemas.openxmlformats.org/officeDocument/2006/relationships" xmlns:p="http://schemas.openxmlformats.org/presentationml/2006/main">
+  <p:cSld>
+    <p:spTree>
+      <p:nvGrpSpPr>
+        <p:cNvPr id="1" name=""/>
+        <p:cNvGrpSpPr/>
+        <p:nvPr/>
+      </p:nvGrpSpPr>
+      <p:grpSpPr>
+        <a:xfrm>
+          <a:off x="0" y="0"/>
+          <a:ext cx="0" cy="0"/>
+          <a:chOff x="0" y="0"/>
+          <a:chExt cx="0" cy="0"/>
+        </a:xfrm>
+      </p:grpSpPr>
+      <p:sp>
+        <p:nvSpPr>
+          <p:cNvPr id="2" name="タイトル 1"/>
+          <p:cNvSpPr>
+            <a:spLocks noGrp="1"/>
+          </p:cNvSpPr>
+          <p:nvPr>
+            <p:ph type="title"/>
+          </p:nvPr>
+        </p:nvSpPr>
+        <p:spPr/>
+        <p:txBody>
+          <a:bodyPr>
+            <a:normAutofit/>
+          </a:bodyPr>
+          <a:lstStyle/>
+          <a:p>
+            <a:r>
+              <a:rPr lang="ja-JP" altLang="en-US" b="1" dirty="0"/>
+              <a:t>想定される</a:t>
+            </a:r>
+            <a:r>
+              <a:rPr lang="ja-JP" altLang="en-US" b="1" dirty="0" smtClean="0"/>
+              <a:t>質問➁</a:t>
+            </a:r>
+            <a:endParaRPr kumimoji="1" lang="ja-JP" altLang="en-US" b="1" dirty="0"/>
+          </a:p>
+        </p:txBody>
+      </p:sp>
+      <p:sp>
+        <p:nvSpPr>
+          <p:cNvPr id="3" name="コンテンツ プレースホルダー 2"/>
+          <p:cNvSpPr>
+            <a:spLocks noGrp="1"/>
+          </p:cNvSpPr>
+          <p:nvPr>
+            <p:ph idx="1"/>
+          </p:nvPr>
+        </p:nvSpPr>
+        <p:spPr/>
+        <p:txBody>
+          <a:bodyPr/>
+          <a:lstStyle/>
+          <a:p>
+            <a:endParaRPr kumimoji="1" lang="ja-JP" altLang="en-US" dirty="0"/>
+          </a:p>
+        </p:txBody>
+      </p:sp>
+    </p:spTree>
+    <p:extLst>
+      <p:ext uri="{BB962C8B-B14F-4D97-AF65-F5344CB8AC3E}">
+        <p14:creationId xmlns:p14="http://schemas.microsoft.com/office/powerpoint/2010/main" val="3866829111"/>
+      </p:ext>
+    </p:extLst>
+  </p:cSld>
+  <p:clrMapOvr>
+    <a:masterClrMapping/>
+  </p:clrMapOvr>
+  <p:timing>
+    <p:tnLst>
+      <p:par>
+        <p:cTn id="1" dur="indefinite" restart="never" nodeType="tmRoot"/>
+      </p:par>
+    </p:tnLst>
+  </p:timing>
 </p:sld>
 </file>
 
@@ -3407,31 +3750,43 @@
             </a:r>
             <a:r>
               <a:rPr kumimoji="1" lang="ja-JP" altLang="en-US" dirty="0" smtClean="0"/>
-              <a:t>ぶろっくるん」は</a:t>
+              <a:t>ぶろっくるん」は、ゲームを通してアルゴリズム思考力を培うことができるようにすることを目的とした</a:t>
             </a:r>
             <a:r>
               <a:rPr kumimoji="1" lang="ja-JP" altLang="en-US" dirty="0" smtClean="0"/>
-              <a:t>、ゲームを通してアルゴリズム思考力を培うことができるようにすることを目的とした</a:t>
-            </a:r>
-            <a:r>
-              <a:rPr kumimoji="1" lang="ja-JP" altLang="en-US" dirty="0" smtClean="0"/>
-              <a:t>サービスです。</a:t>
-            </a:r>
-            <a:endParaRPr kumimoji="1" lang="en-US" altLang="ja-JP" dirty="0" smtClean="0"/>
+              <a:t>サービス</a:t>
+            </a:r>
+            <a:r>
+              <a:rPr lang="en-US" altLang="ja-JP" dirty="0"/>
+              <a:t/>
+            </a:r>
+            <a:br>
+              <a:rPr lang="en-US" altLang="ja-JP" dirty="0"/>
+            </a:br>
+            <a:r>
+              <a:rPr lang="en-US" altLang="ja-JP" dirty="0" smtClean="0"/>
+              <a:t/>
+            </a:r>
+            <a:br>
+              <a:rPr lang="en-US" altLang="ja-JP" dirty="0" smtClean="0"/>
+            </a:br>
+            <a:endParaRPr lang="en-US" altLang="ja-JP" dirty="0"/>
           </a:p>
           <a:p>
             <a:pPr marL="0" indent="0">
               <a:buNone/>
             </a:pPr>
-            <a:endParaRPr lang="en-US" altLang="ja-JP" dirty="0"/>
-          </a:p>
-          <a:p>
-            <a:pPr marL="0" indent="0">
-              <a:buNone/>
-            </a:pPr>
             <a:r>
               <a:rPr lang="ja-JP" altLang="en-US" dirty="0" smtClean="0"/>
-              <a:t>・小学生を中心としたプログラミング未経験者を主な対象とし、プログラミングにて必要とされる「論理的思考力」を楽しく習得することができます。</a:t>
+              <a:t>・小学生を中心としたプログラミング未経験者を主な対象とし、プログラミングにて必要とされる「論理的思考力」を楽しく習得することが</a:t>
+            </a:r>
+            <a:r>
+              <a:rPr lang="ja-JP" altLang="en-US" dirty="0" smtClean="0"/>
+              <a:t>でき</a:t>
+            </a:r>
+            <a:r>
+              <a:rPr lang="ja-JP" altLang="en-US" dirty="0"/>
+              <a:t>る</a:t>
             </a:r>
             <a:endParaRPr kumimoji="1" lang="en-US" altLang="ja-JP" dirty="0" smtClean="0"/>
           </a:p>
@@ -3447,6 +3802,13 @@
   <p:clrMapOvr>
     <a:masterClrMapping/>
   </p:clrMapOvr>
+  <p:timing>
+    <p:tnLst>
+      <p:par>
+        <p:cTn id="1" dur="indefinite" restart="never" nodeType="tmRoot"/>
+      </p:par>
+    </p:tnLst>
+  </p:timing>
 </p:sld>
 </file>
 
@@ -3506,18 +3868,251 @@
         </p:nvSpPr>
         <p:spPr/>
         <p:txBody>
-          <a:bodyPr/>
-          <a:lstStyle/>
-          <a:p>
+          <a:bodyPr>
+            <a:normAutofit fontScale="92500" lnSpcReduction="20000"/>
+          </a:bodyPr>
+          <a:lstStyle/>
+          <a:p>
+            <a:pPr marL="0" indent="0" algn="ctr">
+              <a:buNone/>
+            </a:pPr>
+            <a:r>
+              <a:rPr lang="ja-JP" altLang="en-US" dirty="0" smtClean="0"/>
+              <a:t>小学生の</a:t>
+            </a:r>
+            <a:r>
+              <a:rPr lang="ja-JP" altLang="en-US" dirty="0" smtClean="0"/>
+              <a:t>授業にプログラミング</a:t>
+            </a:r>
+            <a:r>
+              <a:rPr lang="ja-JP" altLang="en-US" dirty="0" smtClean="0"/>
+              <a:t>が組み込まれ、</a:t>
+            </a:r>
+            <a:endParaRPr lang="en-US" altLang="ja-JP" dirty="0" smtClean="0"/>
+          </a:p>
+          <a:p>
+            <a:pPr marL="0" indent="0" algn="ctr">
+              <a:buNone/>
+            </a:pPr>
+            <a:r>
+              <a:rPr lang="ja-JP" altLang="en-US" dirty="0" smtClean="0"/>
+              <a:t>論理思考（アルゴリズム的思考力）が近年重要</a:t>
+            </a:r>
             <a:r>
               <a:rPr lang="ja-JP" altLang="en-US" dirty="0"/>
-              <a:t>小学校にプログラミングの授業が組み込まれるようになり、論理思考、アルゴリズム的思考力は近年極めて重要な能力となっている。だが、そのための教材が満足にあるとはいえないと考え、ユーザーのモチベーションを維持しながら論理思考力を高められる作品を作ろうと</a:t>
+              <a:t>な能力と</a:t>
+            </a:r>
+            <a:r>
+              <a:rPr lang="ja-JP" altLang="en-US" dirty="0" smtClean="0"/>
+              <a:t>なっている</a:t>
+            </a:r>
+            <a:r>
+              <a:rPr lang="en-US" altLang="ja-JP" dirty="0"/>
+              <a:t/>
+            </a:r>
+            <a:br>
+              <a:rPr lang="en-US" altLang="ja-JP" dirty="0"/>
+            </a:br>
+            <a:r>
+              <a:rPr lang="en-US" altLang="ja-JP" dirty="0" smtClean="0"/>
+              <a:t/>
+            </a:r>
+            <a:br>
+              <a:rPr lang="en-US" altLang="ja-JP" dirty="0" smtClean="0"/>
+            </a:br>
+            <a:r>
+              <a:rPr lang="en-US" altLang="ja-JP" dirty="0" smtClean="0"/>
+              <a:t/>
+            </a:r>
+            <a:br>
+              <a:rPr lang="en-US" altLang="ja-JP" dirty="0" smtClean="0"/>
+            </a:br>
+            <a:endParaRPr lang="en-US" altLang="ja-JP" dirty="0" smtClean="0"/>
+          </a:p>
+          <a:p>
+            <a:pPr marL="0" indent="0" algn="ctr">
+              <a:buNone/>
+            </a:pPr>
+            <a:r>
+              <a:rPr lang="en-US" altLang="ja-JP" dirty="0"/>
+              <a:t/>
+            </a:r>
+            <a:br>
+              <a:rPr lang="en-US" altLang="ja-JP" dirty="0"/>
+            </a:br>
+            <a:r>
+              <a:rPr lang="ja-JP" altLang="en-US" dirty="0" smtClean="0"/>
+              <a:t>そのための教材が満足にあるとはいえない</a:t>
+            </a:r>
+            <a:r>
+              <a:rPr lang="en-US" altLang="ja-JP" dirty="0" smtClean="0"/>
+              <a:t/>
+            </a:r>
+            <a:br>
+              <a:rPr lang="en-US" altLang="ja-JP" dirty="0" smtClean="0"/>
+            </a:br>
+            <a:r>
+              <a:rPr lang="en-US" altLang="ja-JP" dirty="0" smtClean="0"/>
+              <a:t/>
+            </a:r>
+            <a:br>
+              <a:rPr lang="en-US" altLang="ja-JP" dirty="0" smtClean="0"/>
+            </a:br>
+            <a:r>
+              <a:rPr lang="en-US" altLang="ja-JP" dirty="0" smtClean="0"/>
+              <a:t/>
+            </a:r>
+            <a:br>
+              <a:rPr lang="en-US" altLang="ja-JP" dirty="0" smtClean="0"/>
+            </a:br>
+            <a:endParaRPr lang="en-US" altLang="ja-JP" dirty="0" smtClean="0"/>
+          </a:p>
+          <a:p>
+            <a:pPr marL="0" indent="0" algn="ctr">
+              <a:buNone/>
+            </a:pPr>
+            <a:r>
+              <a:rPr lang="en-US" altLang="ja-JP" dirty="0" smtClean="0"/>
+              <a:t/>
+            </a:r>
+            <a:br>
+              <a:rPr lang="en-US" altLang="ja-JP" dirty="0" smtClean="0"/>
+            </a:br>
+            <a:r>
+              <a:rPr lang="ja-JP" altLang="en-US" dirty="0" smtClean="0"/>
+              <a:t>ユーザー</a:t>
+            </a:r>
+            <a:r>
+              <a:rPr lang="ja-JP" altLang="en-US" dirty="0"/>
+              <a:t>のモチベーションを維持</a:t>
+            </a:r>
+            <a:r>
+              <a:rPr lang="ja-JP" altLang="en-US" dirty="0" smtClean="0"/>
+              <a:t>しながら、</a:t>
+            </a:r>
+            <a:endParaRPr lang="en-US" altLang="ja-JP" dirty="0" smtClean="0"/>
+          </a:p>
+          <a:p>
+            <a:pPr marL="0" indent="0" algn="ctr">
+              <a:buNone/>
+            </a:pPr>
+            <a:r>
+              <a:rPr lang="ja-JP" altLang="en-US" dirty="0" smtClean="0"/>
+              <a:t>論理</a:t>
+            </a:r>
+            <a:r>
+              <a:rPr lang="ja-JP" altLang="en-US" dirty="0"/>
+              <a:t>思考力を</a:t>
+            </a:r>
+            <a:r>
+              <a:rPr lang="ja-JP" altLang="en-US" dirty="0" smtClean="0"/>
+              <a:t>高められる</a:t>
+            </a:r>
+            <a:r>
+              <a:rPr lang="ja-JP" altLang="en-US" dirty="0"/>
+              <a:t>作品を作ろうと</a:t>
             </a:r>
             <a:r>
               <a:rPr lang="ja-JP" altLang="en-US" dirty="0" smtClean="0"/>
               <a:t>考えた</a:t>
             </a:r>
             <a:endParaRPr kumimoji="1" lang="ja-JP" altLang="en-US" dirty="0"/>
+          </a:p>
+        </p:txBody>
+      </p:sp>
+      <p:sp>
+        <p:nvSpPr>
+          <p:cNvPr id="4" name="下矢印 3"/>
+          <p:cNvSpPr/>
+          <p:nvPr/>
+        </p:nvSpPr>
+        <p:spPr>
+          <a:xfrm>
+            <a:off x="4851400" y="2789237"/>
+            <a:ext cx="2421466" cy="708025"/>
+          </a:xfrm>
+          <a:prstGeom prst="downArrow">
+            <a:avLst/>
+          </a:prstGeom>
+          <a:solidFill>
+            <a:srgbClr val="C00000"/>
+          </a:solidFill>
+          <a:effectLst>
+            <a:outerShdw blurRad="50800" dist="50800" dir="2160000" algn="ctr" rotWithShape="0">
+              <a:schemeClr val="tx1"/>
+            </a:outerShdw>
+          </a:effectLst>
+        </p:spPr>
+        <p:style>
+          <a:lnRef idx="2">
+            <a:schemeClr val="accent2">
+              <a:shade val="50000"/>
+            </a:schemeClr>
+          </a:lnRef>
+          <a:fillRef idx="1">
+            <a:schemeClr val="accent2"/>
+          </a:fillRef>
+          <a:effectRef idx="0">
+            <a:schemeClr val="accent2"/>
+          </a:effectRef>
+          <a:fontRef idx="minor">
+            <a:schemeClr val="lt1"/>
+          </a:fontRef>
+        </p:style>
+        <p:txBody>
+          <a:bodyPr rtlCol="0" anchor="ctr"/>
+          <a:lstStyle/>
+          <a:p>
+            <a:pPr algn="ctr"/>
+            <a:endParaRPr kumimoji="1" lang="ja-JP" altLang="en-US"/>
+          </a:p>
+        </p:txBody>
+      </p:sp>
+      <p:sp>
+        <p:nvSpPr>
+          <p:cNvPr id="5" name="下矢印 4"/>
+          <p:cNvSpPr/>
+          <p:nvPr/>
+        </p:nvSpPr>
+        <p:spPr>
+          <a:xfrm>
+            <a:off x="4851400" y="4306094"/>
+            <a:ext cx="2421466" cy="708025"/>
+          </a:xfrm>
+          <a:prstGeom prst="downArrow">
+            <a:avLst/>
+          </a:prstGeom>
+          <a:solidFill>
+            <a:srgbClr val="C00000"/>
+          </a:solidFill>
+          <a:effectLst>
+            <a:outerShdw blurRad="50800" dist="50800" dir="2160000" algn="ctr" rotWithShape="0">
+              <a:schemeClr val="tx1"/>
+            </a:outerShdw>
+          </a:effectLst>
+        </p:spPr>
+        <p:style>
+          <a:lnRef idx="2">
+            <a:schemeClr val="accent1">
+              <a:shade val="50000"/>
+            </a:schemeClr>
+          </a:lnRef>
+          <a:fillRef idx="1">
+            <a:schemeClr val="accent1"/>
+          </a:fillRef>
+          <a:effectRef idx="0">
+            <a:schemeClr val="accent1"/>
+          </a:effectRef>
+          <a:fontRef idx="minor">
+            <a:schemeClr val="lt1"/>
+          </a:fontRef>
+        </p:style>
+        <p:txBody>
+          <a:bodyPr rtlCol="0" anchor="ctr"/>
+          <a:lstStyle/>
+          <a:p>
+            <a:pPr algn="ctr"/>
+            <a:endParaRPr kumimoji="1" lang="ja-JP" altLang="en-US"/>
           </a:p>
         </p:txBody>
       </p:sp>
@@ -3531,6 +4126,13 @@
   <p:clrMapOvr>
     <a:masterClrMapping/>
   </p:clrMapOvr>
+  <p:timing>
+    <p:tnLst>
+      <p:par>
+        <p:cTn id="1" dur="indefinite" restart="never" nodeType="tmRoot"/>
+      </p:par>
+    </p:tnLst>
+  </p:timing>
 </p:sld>
 </file>
 
@@ -3569,33 +4171,323 @@
           <a:lstStyle/>
           <a:p>
             <a:r>
-              <a:rPr kumimoji="1" lang="ja-JP" altLang="en-US" dirty="0" smtClean="0"/>
+              <a:rPr kumimoji="1" lang="ja-JP" altLang="en-US" b="1" dirty="0" smtClean="0"/>
               <a:t>特徴</a:t>
             </a:r>
             <a:r>
-              <a:rPr kumimoji="1" lang="en-US" altLang="ja-JP" dirty="0" smtClean="0"/>
-              <a:t>1 </a:t>
-            </a:r>
+              <a:rPr lang="ja-JP" altLang="en-US" b="1" dirty="0" smtClean="0"/>
+              <a:t>➀ 論理思考力の取得</a:t>
+            </a:r>
+            <a:endParaRPr kumimoji="1" lang="ja-JP" altLang="en-US" b="1" dirty="0"/>
+          </a:p>
+        </p:txBody>
+      </p:sp>
+      <p:pic>
+        <p:nvPicPr>
+          <p:cNvPr id="4" name="コンテンツ プレースホルダー 3"/>
+          <p:cNvPicPr>
+            <a:picLocks noGrp="1" noChangeAspect="1"/>
+          </p:cNvPicPr>
+          <p:nvPr>
+            <p:ph idx="1"/>
+          </p:nvPr>
+        </p:nvPicPr>
+        <p:blipFill>
+          <a:blip r:embed="rId2" cstate="print">
+            <a:extLst>
+              <a:ext uri="{28A0092B-C50C-407E-A947-70E740481C1C}">
+                <a14:useLocalDpi xmlns:a14="http://schemas.microsoft.com/office/drawing/2010/main" val="0"/>
+              </a:ext>
+            </a:extLst>
+          </a:blip>
+          <a:stretch>
+            <a:fillRect/>
+          </a:stretch>
+        </p:blipFill>
+        <p:spPr>
+          <a:xfrm>
+            <a:off x="497784" y="2421069"/>
+            <a:ext cx="2178883" cy="2199748"/>
+          </a:xfrm>
+        </p:spPr>
+      </p:pic>
+      <p:sp>
+        <p:nvSpPr>
+          <p:cNvPr id="5" name="右矢印 4"/>
+          <p:cNvSpPr/>
+          <p:nvPr/>
+        </p:nvSpPr>
+        <p:spPr>
+          <a:xfrm>
+            <a:off x="2793745" y="2713566"/>
+            <a:ext cx="644494" cy="1811867"/>
+          </a:xfrm>
+          <a:prstGeom prst="rightArrow">
+            <a:avLst/>
+          </a:prstGeom>
+          <a:solidFill>
+            <a:srgbClr val="C00000"/>
+          </a:solidFill>
+          <a:effectLst>
+            <a:outerShdw blurRad="50800" dist="50800" dir="5400000" algn="ctr" rotWithShape="0">
+              <a:schemeClr val="tx1"/>
+            </a:outerShdw>
+          </a:effectLst>
+        </p:spPr>
+        <p:style>
+          <a:lnRef idx="2">
+            <a:schemeClr val="accent1">
+              <a:shade val="50000"/>
+            </a:schemeClr>
+          </a:lnRef>
+          <a:fillRef idx="1">
+            <a:schemeClr val="accent1"/>
+          </a:fillRef>
+          <a:effectRef idx="0">
+            <a:schemeClr val="accent1"/>
+          </a:effectRef>
+          <a:fontRef idx="minor">
+            <a:schemeClr val="lt1"/>
+          </a:fontRef>
+        </p:style>
+        <p:txBody>
+          <a:bodyPr rtlCol="0" anchor="ctr"/>
+          <a:lstStyle/>
+          <a:p>
+            <a:pPr algn="ctr"/>
+            <a:endParaRPr kumimoji="1" lang="ja-JP" altLang="en-US"/>
+          </a:p>
+        </p:txBody>
+      </p:sp>
+      <p:sp>
+        <p:nvSpPr>
+          <p:cNvPr id="6" name="AutoShape 8" descr="パソコン　いらすとや に対する画像結果"/>
+          <p:cNvSpPr>
+            <a:spLocks noChangeAspect="1" noChangeArrowheads="1"/>
+          </p:cNvSpPr>
+          <p:nvPr/>
+        </p:nvSpPr>
+        <p:spPr bwMode="auto">
+          <a:xfrm>
+            <a:off x="5261632" y="2069570"/>
+            <a:ext cx="1962150" cy="1971676"/>
+          </a:xfrm>
+          <a:prstGeom prst="rect">
+            <a:avLst/>
+          </a:prstGeom>
+          <a:noFill/>
+          <a:extLst>
+            <a:ext uri="{909E8E84-426E-40DD-AFC4-6F175D3DCCD1}">
+              <a14:hiddenFill xmlns:a14="http://schemas.microsoft.com/office/drawing/2010/main">
+                <a:solidFill>
+                  <a:srgbClr val="FFFFFF"/>
+                </a:solidFill>
+              </a14:hiddenFill>
+            </a:ext>
+          </a:extLst>
+        </p:spPr>
+        <p:txBody>
+          <a:bodyPr vert="horz" wrap="square" lIns="91440" tIns="45720" rIns="91440" bIns="45720" numCol="1" anchor="t" anchorCtr="0" compatLnSpc="1">
+            <a:prstTxWarp prst="textNoShape">
+              <a:avLst/>
+            </a:prstTxWarp>
+          </a:bodyPr>
+          <a:lstStyle/>
+          <a:p>
+            <a:endParaRPr lang="ja-JP" altLang="en-US" dirty="0"/>
+          </a:p>
+        </p:txBody>
+      </p:sp>
+      <p:sp>
+        <p:nvSpPr>
+          <p:cNvPr id="8" name="雲形吹き出し 7"/>
+          <p:cNvSpPr/>
+          <p:nvPr/>
+        </p:nvSpPr>
+        <p:spPr>
+          <a:xfrm>
+            <a:off x="7223782" y="805387"/>
+            <a:ext cx="4860080" cy="3720045"/>
+          </a:xfrm>
+          <a:prstGeom prst="cloudCallout">
+            <a:avLst>
+              <a:gd name="adj1" fmla="val -92932"/>
+              <a:gd name="adj2" fmla="val 6984"/>
+            </a:avLst>
+          </a:prstGeom>
+          <a:ln>
+            <a:solidFill>
+              <a:schemeClr val="tx1"/>
+            </a:solidFill>
+          </a:ln>
+        </p:spPr>
+        <p:style>
+          <a:lnRef idx="2">
+            <a:schemeClr val="accent6"/>
+          </a:lnRef>
+          <a:fillRef idx="1">
+            <a:schemeClr val="lt1"/>
+          </a:fillRef>
+          <a:effectRef idx="0">
+            <a:schemeClr val="accent6"/>
+          </a:effectRef>
+          <a:fontRef idx="minor">
+            <a:schemeClr val="dk1"/>
+          </a:fontRef>
+        </p:style>
+        <p:txBody>
+          <a:bodyPr rtlCol="0" anchor="ctr"/>
+          <a:lstStyle/>
+          <a:p>
+            <a:pPr algn="ctr"/>
             <a:endParaRPr kumimoji="1" lang="ja-JP" altLang="en-US" dirty="0"/>
           </a:p>
         </p:txBody>
       </p:sp>
-      <p:sp>
-        <p:nvSpPr>
-          <p:cNvPr id="3" name="コンテンツ プレースホルダー 2"/>
-          <p:cNvSpPr>
-            <a:spLocks noGrp="1"/>
-          </p:cNvSpPr>
-          <p:nvPr>
-            <p:ph idx="1"/>
-          </p:nvPr>
-        </p:nvSpPr>
-        <p:spPr/>
-        <p:txBody>
-          <a:bodyPr/>
-          <a:lstStyle/>
-          <a:p>
-            <a:endParaRPr kumimoji="1" lang="ja-JP" altLang="en-US" dirty="0"/>
+      <p:pic>
+        <p:nvPicPr>
+          <p:cNvPr id="1044" name="Picture 20" descr="ソース画像を表示"/>
+          <p:cNvPicPr>
+            <a:picLocks noChangeAspect="1" noChangeArrowheads="1"/>
+          </p:cNvPicPr>
+          <p:nvPr/>
+        </p:nvPicPr>
+        <p:blipFill>
+          <a:blip r:embed="rId3" cstate="print">
+            <a:extLst>
+              <a:ext uri="{28A0092B-C50C-407E-A947-70E740481C1C}">
+                <a14:useLocalDpi xmlns:a14="http://schemas.microsoft.com/office/drawing/2010/main" val="0"/>
+              </a:ext>
+            </a:extLst>
+          </a:blip>
+          <a:srcRect/>
+          <a:stretch>
+            <a:fillRect/>
+          </a:stretch>
+        </p:blipFill>
+        <p:spPr bwMode="auto">
+          <a:xfrm>
+            <a:off x="3406729" y="2425566"/>
+            <a:ext cx="1886413" cy="2387865"/>
+          </a:xfrm>
+          <a:prstGeom prst="rect">
+            <a:avLst/>
+          </a:prstGeom>
+          <a:noFill/>
+          <a:extLst>
+            <a:ext uri="{909E8E84-426E-40DD-AFC4-6F175D3DCCD1}">
+              <a14:hiddenFill xmlns:a14="http://schemas.microsoft.com/office/drawing/2010/main">
+                <a:solidFill>
+                  <a:srgbClr val="FFFFFF"/>
+                </a:solidFill>
+              </a14:hiddenFill>
+            </a:ext>
+          </a:extLst>
+        </p:spPr>
+      </p:pic>
+      <p:pic>
+        <p:nvPicPr>
+          <p:cNvPr id="1048" name="Picture 24" descr="ソース画像を表示"/>
+          <p:cNvPicPr>
+            <a:picLocks noChangeAspect="1" noChangeArrowheads="1"/>
+          </p:cNvPicPr>
+          <p:nvPr/>
+        </p:nvPicPr>
+        <p:blipFill>
+          <a:blip r:embed="rId4" cstate="print">
+            <a:extLst>
+              <a:ext uri="{28A0092B-C50C-407E-A947-70E740481C1C}">
+                <a14:useLocalDpi xmlns:a14="http://schemas.microsoft.com/office/drawing/2010/main" val="0"/>
+              </a:ext>
+            </a:extLst>
+          </a:blip>
+          <a:srcRect/>
+          <a:stretch>
+            <a:fillRect/>
+          </a:stretch>
+        </p:blipFill>
+        <p:spPr bwMode="auto">
+          <a:xfrm>
+            <a:off x="8511349" y="1422436"/>
+            <a:ext cx="2284945" cy="2197062"/>
+          </a:xfrm>
+          <a:prstGeom prst="rect">
+            <a:avLst/>
+          </a:prstGeom>
+          <a:noFill/>
+        </p:spPr>
+      </p:pic>
+      <p:sp>
+        <p:nvSpPr>
+          <p:cNvPr id="9" name="テキスト ボックス 8"/>
+          <p:cNvSpPr txBox="1"/>
+          <p:nvPr/>
+        </p:nvSpPr>
+        <p:spPr>
+          <a:xfrm>
+            <a:off x="274017" y="5086646"/>
+            <a:ext cx="2626416" cy="461665"/>
+          </a:xfrm>
+          <a:prstGeom prst="rect">
+            <a:avLst/>
+          </a:prstGeom>
+          <a:noFill/>
+        </p:spPr>
+        <p:txBody>
+          <a:bodyPr wrap="square" rtlCol="0">
+            <a:spAutoFit/>
+          </a:bodyPr>
+          <a:lstStyle/>
+          <a:p>
+            <a:pPr algn="ctr"/>
+            <a:r>
+              <a:rPr kumimoji="1" lang="ja-JP" altLang="en-US" sz="2400" dirty="0" smtClean="0">
+                <a:latin typeface="HGSｺﾞｼｯｸE" panose="020B0900000000000000" pitchFamily="50" charset="-128"/>
+                <a:ea typeface="HGSｺﾞｼｯｸE" panose="020B0900000000000000" pitchFamily="50" charset="-128"/>
+              </a:rPr>
+              <a:t>ゲームを楽しむ</a:t>
+            </a:r>
+            <a:endParaRPr kumimoji="1" lang="ja-JP" altLang="en-US" sz="2400" dirty="0">
+              <a:latin typeface="HGSｺﾞｼｯｸE" panose="020B0900000000000000" pitchFamily="50" charset="-128"/>
+              <a:ea typeface="HGSｺﾞｼｯｸE" panose="020B0900000000000000" pitchFamily="50" charset="-128"/>
+            </a:endParaRPr>
+          </a:p>
+        </p:txBody>
+      </p:sp>
+      <p:sp>
+        <p:nvSpPr>
+          <p:cNvPr id="21" name="テキスト ボックス 20"/>
+          <p:cNvSpPr txBox="1"/>
+          <p:nvPr/>
+        </p:nvSpPr>
+        <p:spPr>
+          <a:xfrm>
+            <a:off x="3584726" y="5086644"/>
+            <a:ext cx="7940524" cy="461665"/>
+          </a:xfrm>
+          <a:prstGeom prst="rect">
+            <a:avLst/>
+          </a:prstGeom>
+          <a:noFill/>
+        </p:spPr>
+        <p:txBody>
+          <a:bodyPr wrap="square" rtlCol="0">
+            <a:spAutoFit/>
+          </a:bodyPr>
+          <a:lstStyle/>
+          <a:p>
+            <a:pPr algn="ctr"/>
+            <a:r>
+              <a:rPr lang="ja-JP" altLang="en-US" sz="2400" dirty="0" smtClean="0">
+                <a:latin typeface="HGSｺﾞｼｯｸE" panose="020B0900000000000000" pitchFamily="50" charset="-128"/>
+                <a:ea typeface="HGSｺﾞｼｯｸE" panose="020B0900000000000000" pitchFamily="50" charset="-128"/>
+              </a:rPr>
+              <a:t>物事を論理的に考えることができる</a:t>
+            </a:r>
+            <a:endParaRPr kumimoji="1" lang="ja-JP" altLang="en-US" sz="2400" dirty="0">
+              <a:latin typeface="HGSｺﾞｼｯｸE" panose="020B0900000000000000" pitchFamily="50" charset="-128"/>
+              <a:ea typeface="HGSｺﾞｼｯｸE" panose="020B0900000000000000" pitchFamily="50" charset="-128"/>
+            </a:endParaRPr>
           </a:p>
         </p:txBody>
       </p:sp>
@@ -3609,6 +4501,13 @@
   <p:clrMapOvr>
     <a:masterClrMapping/>
   </p:clrMapOvr>
+  <p:timing>
+    <p:tnLst>
+      <p:par>
+        <p:cTn id="1" dur="indefinite" restart="never" nodeType="tmRoot"/>
+      </p:par>
+    </p:tnLst>
+  </p:timing>
 </p:sld>
 </file>
 
@@ -3641,14 +4540,491 @@
         </p:nvSpPr>
         <p:spPr/>
         <p:txBody>
-          <a:bodyPr/>
-          <a:lstStyle/>
-          <a:p>
-            <a:r>
-              <a:rPr kumimoji="1" lang="ja-JP" altLang="en-US" dirty="0" smtClean="0"/>
+          <a:bodyPr>
+            <a:normAutofit/>
+          </a:bodyPr>
+          <a:lstStyle/>
+          <a:p>
+            <a:r>
+              <a:rPr kumimoji="1" lang="ja-JP" altLang="en-US" b="1" dirty="0" smtClean="0"/>
+              <a:t>特徴</a:t>
+            </a:r>
+            <a:r>
+              <a:rPr lang="ja-JP" altLang="en-US" b="1" dirty="0" smtClean="0"/>
+              <a:t>➁ 小学生でも分かる難易度</a:t>
+            </a:r>
+            <a:endParaRPr kumimoji="1" lang="ja-JP" altLang="en-US" b="1" dirty="0"/>
+          </a:p>
+        </p:txBody>
+      </p:sp>
+      <p:sp>
+        <p:nvSpPr>
+          <p:cNvPr id="7" name="AutoShape 8" descr="小学生　いらすとや に対する画像結果"/>
+          <p:cNvSpPr>
+            <a:spLocks noChangeAspect="1" noChangeArrowheads="1"/>
+          </p:cNvSpPr>
+          <p:nvPr/>
+        </p:nvSpPr>
+        <p:spPr bwMode="auto">
+          <a:xfrm>
+            <a:off x="155575" y="-822325"/>
+            <a:ext cx="2962275" cy="1714500"/>
+          </a:xfrm>
+          <a:prstGeom prst="rect">
+            <a:avLst/>
+          </a:prstGeom>
+          <a:noFill/>
+          <a:extLst>
+            <a:ext uri="{909E8E84-426E-40DD-AFC4-6F175D3DCCD1}">
+              <a14:hiddenFill xmlns:a14="http://schemas.microsoft.com/office/drawing/2010/main">
+                <a:solidFill>
+                  <a:srgbClr val="FFFFFF"/>
+                </a:solidFill>
+              </a14:hiddenFill>
+            </a:ext>
+          </a:extLst>
+        </p:spPr>
+        <p:txBody>
+          <a:bodyPr vert="horz" wrap="square" lIns="91440" tIns="45720" rIns="91440" bIns="45720" numCol="1" anchor="t" anchorCtr="0" compatLnSpc="1">
+            <a:prstTxWarp prst="textNoShape">
+              <a:avLst/>
+            </a:prstTxWarp>
+          </a:bodyPr>
+          <a:lstStyle/>
+          <a:p>
+            <a:endParaRPr lang="ja-JP" altLang="en-US"/>
+          </a:p>
+        </p:txBody>
+      </p:sp>
+      <p:sp>
+        <p:nvSpPr>
+          <p:cNvPr id="8" name="AutoShape 10" descr="小学生　いらすとや に対する画像結果"/>
+          <p:cNvSpPr>
+            <a:spLocks noChangeAspect="1" noChangeArrowheads="1"/>
+          </p:cNvSpPr>
+          <p:nvPr/>
+        </p:nvSpPr>
+        <p:spPr bwMode="auto">
+          <a:xfrm>
+            <a:off x="1516111" y="29317"/>
+            <a:ext cx="1754139" cy="1015257"/>
+          </a:xfrm>
+          <a:prstGeom prst="rect">
+            <a:avLst/>
+          </a:prstGeom>
+          <a:noFill/>
+          <a:extLst>
+            <a:ext uri="{909E8E84-426E-40DD-AFC4-6F175D3DCCD1}">
+              <a14:hiddenFill xmlns:a14="http://schemas.microsoft.com/office/drawing/2010/main">
+                <a:solidFill>
+                  <a:srgbClr val="FFFFFF"/>
+                </a:solidFill>
+              </a14:hiddenFill>
+            </a:ext>
+          </a:extLst>
+        </p:spPr>
+        <p:txBody>
+          <a:bodyPr vert="horz" wrap="square" lIns="91440" tIns="45720" rIns="91440" bIns="45720" numCol="1" anchor="t" anchorCtr="0" compatLnSpc="1">
+            <a:prstTxWarp prst="textNoShape">
+              <a:avLst/>
+            </a:prstTxWarp>
+          </a:bodyPr>
+          <a:lstStyle/>
+          <a:p>
+            <a:endParaRPr lang="ja-JP" altLang="en-US"/>
+          </a:p>
+        </p:txBody>
+      </p:sp>
+      <p:pic>
+        <p:nvPicPr>
+          <p:cNvPr id="2060" name="Picture 12" descr="ソース画像を表示"/>
+          <p:cNvPicPr>
+            <a:picLocks noChangeAspect="1" noChangeArrowheads="1"/>
+          </p:cNvPicPr>
+          <p:nvPr/>
+        </p:nvPicPr>
+        <p:blipFill>
+          <a:blip r:embed="rId2" cstate="print">
+            <a:extLst>
+              <a:ext uri="{28A0092B-C50C-407E-A947-70E740481C1C}">
+                <a14:useLocalDpi xmlns:a14="http://schemas.microsoft.com/office/drawing/2010/main" val="0"/>
+              </a:ext>
+            </a:extLst>
+          </a:blip>
+          <a:srcRect/>
+          <a:stretch>
+            <a:fillRect/>
+          </a:stretch>
+        </p:blipFill>
+        <p:spPr bwMode="auto">
+          <a:xfrm>
+            <a:off x="4016424" y="3016251"/>
+            <a:ext cx="4159151" cy="2183554"/>
+          </a:xfrm>
+          <a:prstGeom prst="rect">
+            <a:avLst/>
+          </a:prstGeom>
+          <a:noFill/>
+          <a:extLst>
+            <a:ext uri="{909E8E84-426E-40DD-AFC4-6F175D3DCCD1}">
+              <a14:hiddenFill xmlns:a14="http://schemas.microsoft.com/office/drawing/2010/main">
+                <a:solidFill>
+                  <a:srgbClr val="FFFFFF"/>
+                </a:solidFill>
+              </a14:hiddenFill>
+            </a:ext>
+          </a:extLst>
+        </p:spPr>
+      </p:pic>
+      <p:sp>
+        <p:nvSpPr>
+          <p:cNvPr id="11" name="コンテンツ プレースホルダー 10"/>
+          <p:cNvSpPr>
+            <a:spLocks noGrp="1"/>
+          </p:cNvSpPr>
+          <p:nvPr>
+            <p:ph idx="1"/>
+          </p:nvPr>
+        </p:nvSpPr>
+        <p:spPr>
+          <a:xfrm>
+            <a:off x="838200" y="1690688"/>
+            <a:ext cx="10515600" cy="4351338"/>
+          </a:xfrm>
+        </p:spPr>
+        <p:txBody>
+          <a:bodyPr/>
+          <a:lstStyle/>
+          <a:p>
+            <a:pPr marL="0" indent="0" algn="ctr">
+              <a:buNone/>
+            </a:pPr>
+            <a:r>
+              <a:rPr lang="ja-JP" altLang="en-US" dirty="0" smtClean="0"/>
+              <a:t>小学生をはじめとするプログラミング未経験者でも、</a:t>
+            </a:r>
+            <a:endParaRPr lang="en-US" altLang="ja-JP" dirty="0" smtClean="0"/>
+          </a:p>
+          <a:p>
+            <a:pPr marL="0" indent="0" algn="ctr">
+              <a:buNone/>
+            </a:pPr>
+            <a:r>
+              <a:rPr lang="ja-JP" altLang="en-US" dirty="0" smtClean="0"/>
+              <a:t>楽しく遊ぶことができます</a:t>
+            </a:r>
+            <a:endParaRPr kumimoji="1" lang="ja-JP" altLang="en-US" dirty="0"/>
+          </a:p>
+        </p:txBody>
+      </p:sp>
+    </p:spTree>
+    <p:extLst>
+      <p:ext uri="{BB962C8B-B14F-4D97-AF65-F5344CB8AC3E}">
+        <p14:creationId xmlns:p14="http://schemas.microsoft.com/office/powerpoint/2010/main" val="3678269511"/>
+      </p:ext>
+    </p:extLst>
+  </p:cSld>
+  <p:clrMapOvr>
+    <a:masterClrMapping/>
+  </p:clrMapOvr>
+  <p:timing>
+    <p:tnLst>
+      <p:par>
+        <p:cTn id="1" dur="indefinite" restart="never" nodeType="tmRoot"/>
+      </p:par>
+    </p:tnLst>
+  </p:timing>
+</p:sld>
+</file>
+
+<file path=ppt/slides/slide6.xml><?xml version="1.0" encoding="utf-8"?>
+<p:sld xmlns:a="http://schemas.openxmlformats.org/drawingml/2006/main" xmlns:r="http://schemas.openxmlformats.org/officeDocument/2006/relationships" xmlns:p="http://schemas.openxmlformats.org/presentationml/2006/main">
+  <p:cSld>
+    <p:spTree>
+      <p:nvGrpSpPr>
+        <p:cNvPr id="1" name=""/>
+        <p:cNvGrpSpPr/>
+        <p:nvPr/>
+      </p:nvGrpSpPr>
+      <p:grpSpPr>
+        <a:xfrm>
+          <a:off x="0" y="0"/>
+          <a:ext cx="0" cy="0"/>
+          <a:chOff x="0" y="0"/>
+          <a:chExt cx="0" cy="0"/>
+        </a:xfrm>
+      </p:grpSpPr>
+      <p:sp>
+        <p:nvSpPr>
+          <p:cNvPr id="2" name="タイトル 1"/>
+          <p:cNvSpPr>
+            <a:spLocks noGrp="1"/>
+          </p:cNvSpPr>
+          <p:nvPr>
+            <p:ph type="title"/>
+          </p:nvPr>
+        </p:nvSpPr>
+        <p:spPr/>
+        <p:txBody>
+          <a:bodyPr>
+            <a:normAutofit/>
+          </a:bodyPr>
+          <a:lstStyle/>
+          <a:p>
+            <a:r>
+              <a:rPr kumimoji="1" lang="ja-JP" altLang="en-US" b="1" dirty="0" smtClean="0"/>
+              <a:t>特徴</a:t>
+            </a:r>
+            <a:r>
+              <a:rPr lang="ja-JP" altLang="en-US" b="1" dirty="0" smtClean="0"/>
+              <a:t>➂ </a:t>
+            </a:r>
+            <a:endParaRPr kumimoji="1" lang="ja-JP" altLang="en-US" b="1" dirty="0"/>
+          </a:p>
+        </p:txBody>
+      </p:sp>
+      <p:sp>
+        <p:nvSpPr>
+          <p:cNvPr id="3" name="コンテンツ プレースホルダー 2"/>
+          <p:cNvSpPr>
+            <a:spLocks noGrp="1"/>
+          </p:cNvSpPr>
+          <p:nvPr>
+            <p:ph idx="1"/>
+          </p:nvPr>
+        </p:nvSpPr>
+        <p:spPr/>
+        <p:txBody>
+          <a:bodyPr/>
+          <a:lstStyle/>
+          <a:p>
+            <a:endParaRPr kumimoji="1" lang="ja-JP" altLang="en-US" dirty="0"/>
+          </a:p>
+        </p:txBody>
+      </p:sp>
+    </p:spTree>
+    <p:extLst>
+      <p:ext uri="{BB962C8B-B14F-4D97-AF65-F5344CB8AC3E}">
+        <p14:creationId xmlns:p14="http://schemas.microsoft.com/office/powerpoint/2010/main" val="2457458426"/>
+      </p:ext>
+    </p:extLst>
+  </p:cSld>
+  <p:clrMapOvr>
+    <a:masterClrMapping/>
+  </p:clrMapOvr>
+  <p:timing>
+    <p:tnLst>
+      <p:par>
+        <p:cTn id="1" dur="indefinite" restart="never" nodeType="tmRoot"/>
+      </p:par>
+    </p:tnLst>
+  </p:timing>
+</p:sld>
+</file>
+
+<file path=ppt/slides/slide7.xml><?xml version="1.0" encoding="utf-8"?>
+<p:sld xmlns:a="http://schemas.openxmlformats.org/drawingml/2006/main" xmlns:r="http://schemas.openxmlformats.org/officeDocument/2006/relationships" xmlns:p="http://schemas.openxmlformats.org/presentationml/2006/main">
+  <p:cSld>
+    <p:spTree>
+      <p:nvGrpSpPr>
+        <p:cNvPr id="1" name=""/>
+        <p:cNvGrpSpPr/>
+        <p:nvPr/>
+      </p:nvGrpSpPr>
+      <p:grpSpPr>
+        <a:xfrm>
+          <a:off x="0" y="0"/>
+          <a:ext cx="0" cy="0"/>
+          <a:chOff x="0" y="0"/>
+          <a:chExt cx="0" cy="0"/>
+        </a:xfrm>
+      </p:grpSpPr>
+      <p:sp>
+        <p:nvSpPr>
+          <p:cNvPr id="2" name="タイトル 1"/>
+          <p:cNvSpPr>
+            <a:spLocks noGrp="1"/>
+          </p:cNvSpPr>
+          <p:nvPr>
+            <p:ph type="title"/>
+          </p:nvPr>
+        </p:nvSpPr>
+        <p:spPr/>
+        <p:txBody>
+          <a:bodyPr>
+            <a:normAutofit/>
+          </a:bodyPr>
+          <a:lstStyle/>
+          <a:p>
+            <a:r>
+              <a:rPr kumimoji="1" lang="ja-JP" altLang="en-US" b="1" dirty="0" smtClean="0"/>
+              <a:t>特徴</a:t>
+            </a:r>
+            <a:r>
+              <a:rPr lang="ja-JP" altLang="en-US" b="1" dirty="0"/>
+              <a:t>➃</a:t>
+            </a:r>
+            <a:endParaRPr kumimoji="1" lang="ja-JP" altLang="en-US" b="1" dirty="0"/>
+          </a:p>
+        </p:txBody>
+      </p:sp>
+      <p:sp>
+        <p:nvSpPr>
+          <p:cNvPr id="3" name="コンテンツ プレースホルダー 2"/>
+          <p:cNvSpPr>
+            <a:spLocks noGrp="1"/>
+          </p:cNvSpPr>
+          <p:nvPr>
+            <p:ph idx="1"/>
+          </p:nvPr>
+        </p:nvSpPr>
+        <p:spPr/>
+        <p:txBody>
+          <a:bodyPr/>
+          <a:lstStyle/>
+          <a:p>
+            <a:endParaRPr kumimoji="1" lang="ja-JP" altLang="en-US" dirty="0"/>
+          </a:p>
+        </p:txBody>
+      </p:sp>
+    </p:spTree>
+    <p:extLst>
+      <p:ext uri="{BB962C8B-B14F-4D97-AF65-F5344CB8AC3E}">
+        <p14:creationId xmlns:p14="http://schemas.microsoft.com/office/powerpoint/2010/main" val="982633566"/>
+      </p:ext>
+    </p:extLst>
+  </p:cSld>
+  <p:clrMapOvr>
+    <a:masterClrMapping/>
+  </p:clrMapOvr>
+  <p:timing>
+    <p:tnLst>
+      <p:par>
+        <p:cTn id="1" dur="indefinite" restart="never" nodeType="tmRoot"/>
+      </p:par>
+    </p:tnLst>
+  </p:timing>
+</p:sld>
+</file>
+
+<file path=ppt/slides/slide8.xml><?xml version="1.0" encoding="utf-8"?>
+<p:sld xmlns:a="http://schemas.openxmlformats.org/drawingml/2006/main" xmlns:r="http://schemas.openxmlformats.org/officeDocument/2006/relationships" xmlns:p="http://schemas.openxmlformats.org/presentationml/2006/main">
+  <p:cSld>
+    <p:spTree>
+      <p:nvGrpSpPr>
+        <p:cNvPr id="1" name=""/>
+        <p:cNvGrpSpPr/>
+        <p:nvPr/>
+      </p:nvGrpSpPr>
+      <p:grpSpPr>
+        <a:xfrm>
+          <a:off x="0" y="0"/>
+          <a:ext cx="0" cy="0"/>
+          <a:chOff x="0" y="0"/>
+          <a:chExt cx="0" cy="0"/>
+        </a:xfrm>
+      </p:grpSpPr>
+      <p:sp>
+        <p:nvSpPr>
+          <p:cNvPr id="2" name="タイトル 1"/>
+          <p:cNvSpPr>
+            <a:spLocks noGrp="1"/>
+          </p:cNvSpPr>
+          <p:nvPr>
+            <p:ph type="title"/>
+          </p:nvPr>
+        </p:nvSpPr>
+        <p:spPr/>
+        <p:txBody>
+          <a:bodyPr>
+            <a:normAutofit/>
+          </a:bodyPr>
+          <a:lstStyle/>
+          <a:p>
+            <a:r>
+              <a:rPr kumimoji="1" lang="ja-JP" altLang="en-US" b="1" dirty="0" smtClean="0"/>
+              <a:t>システム構成</a:t>
+            </a:r>
+            <a:endParaRPr kumimoji="1" lang="ja-JP" altLang="en-US" b="1" dirty="0"/>
+          </a:p>
+        </p:txBody>
+      </p:sp>
+      <p:sp>
+        <p:nvSpPr>
+          <p:cNvPr id="3" name="コンテンツ プレースホルダー 2"/>
+          <p:cNvSpPr>
+            <a:spLocks noGrp="1"/>
+          </p:cNvSpPr>
+          <p:nvPr>
+            <p:ph idx="1"/>
+          </p:nvPr>
+        </p:nvSpPr>
+        <p:spPr/>
+        <p:txBody>
+          <a:bodyPr/>
+          <a:lstStyle/>
+          <a:p>
+            <a:endParaRPr kumimoji="1" lang="ja-JP" altLang="en-US" dirty="0"/>
+          </a:p>
+        </p:txBody>
+      </p:sp>
+    </p:spTree>
+    <p:extLst>
+      <p:ext uri="{BB962C8B-B14F-4D97-AF65-F5344CB8AC3E}">
+        <p14:creationId xmlns:p14="http://schemas.microsoft.com/office/powerpoint/2010/main" val="744668613"/>
+      </p:ext>
+    </p:extLst>
+  </p:cSld>
+  <p:clrMapOvr>
+    <a:masterClrMapping/>
+  </p:clrMapOvr>
+  <p:timing>
+    <p:tnLst>
+      <p:par>
+        <p:cTn id="1" dur="indefinite" restart="never" nodeType="tmRoot"/>
+      </p:par>
+    </p:tnLst>
+  </p:timing>
+</p:sld>
+</file>
+
+<file path=ppt/slides/slide9.xml><?xml version="1.0" encoding="utf-8"?>
+<p:sld xmlns:a="http://schemas.openxmlformats.org/drawingml/2006/main" xmlns:r="http://schemas.openxmlformats.org/officeDocument/2006/relationships" xmlns:p="http://schemas.openxmlformats.org/presentationml/2006/main">
+  <p:cSld>
+    <p:spTree>
+      <p:nvGrpSpPr>
+        <p:cNvPr id="1" name=""/>
+        <p:cNvGrpSpPr/>
+        <p:nvPr/>
+      </p:nvGrpSpPr>
+      <p:grpSpPr>
+        <a:xfrm>
+          <a:off x="0" y="0"/>
+          <a:ext cx="0" cy="0"/>
+          <a:chOff x="0" y="0"/>
+          <a:chExt cx="0" cy="0"/>
+        </a:xfrm>
+      </p:grpSpPr>
+      <p:sp>
+        <p:nvSpPr>
+          <p:cNvPr id="2" name="タイトル 1"/>
+          <p:cNvSpPr>
+            <a:spLocks noGrp="1"/>
+          </p:cNvSpPr>
+          <p:nvPr>
+            <p:ph type="title"/>
+          </p:nvPr>
+        </p:nvSpPr>
+        <p:spPr/>
+        <p:txBody>
+          <a:bodyPr/>
+          <a:lstStyle/>
+          <a:p>
+            <a:r>
+              <a:rPr kumimoji="1" lang="ja-JP" altLang="en-US" b="1" dirty="0" smtClean="0"/>
               <a:t>操作説明</a:t>
             </a:r>
-            <a:endParaRPr kumimoji="1" lang="ja-JP" altLang="en-US" dirty="0"/>
+            <a:endParaRPr kumimoji="1" lang="ja-JP" altLang="en-US" b="1" dirty="0"/>
           </a:p>
         </p:txBody>
       </p:sp>
@@ -3728,6 +5104,13 @@
   <p:clrMapOvr>
     <a:masterClrMapping/>
   </p:clrMapOvr>
+  <p:timing>
+    <p:tnLst>
+      <p:par>
+        <p:cTn id="1" dur="indefinite" restart="never" nodeType="tmRoot"/>
+      </p:par>
+    </p:tnLst>
+  </p:timing>
 </p:sld>
 </file>
 
